--- a/Workshop/Preparation/BreakoutRoom2Instructions.pptx
+++ b/Workshop/Preparation/BreakoutRoom2Instructions.pptx
@@ -3501,21 +3501,13 @@
         </p:spPr>
         <p:txBody>
           <a:bodyPr>
-            <a:normAutofit fontScale="85000" lnSpcReduction="20000"/>
+            <a:normAutofit fontScale="77500" lnSpcReduction="20000"/>
           </a:bodyPr>
           <a:lstStyle/>
           <a:p>
             <a:r>
               <a:rPr lang="en-US" dirty="0"/>
-              <a:t>You are facilitating a breakout room with one of the six </a:t>
-            </a:r>
-            <a:r>
-              <a:rPr lang="en-US" dirty="0" err="1"/>
-              <a:t>sw</a:t>
-            </a:r>
-            <a:r>
-              <a:rPr lang="en-US" dirty="0"/>
-              <a:t> quality dimensions</a:t>
+              <a:t>You are facilitating a breakout room with one of the six Research Software (RS)  quality dimensions</a:t>
             </a:r>
           </a:p>
           <a:p>
